--- a/utils/logo.pptx
+++ b/utils/logo.pptx
@@ -104,6 +104,11 @@
       </a:defRPr>
     </a:lvl9pPr>
   </p:defaultTextStyle>
+  <p:extLst>
+    <p:ext uri="{EFAFB233-063F-42B5-8137-9DF3F51BA10A}">
+      <p15:sldGuideLst xmlns:p15="http://schemas.microsoft.com/office/powerpoint/2012/main"/>
+    </p:ext>
+  </p:extLst>
 </p:presentation>
 </file>
 
@@ -3003,7 +3008,7 @@
             <a:r>
               <a:rPr lang="en-US" sz="9600" dirty="0" smtClean="0">
                 <a:solidFill>
-                  <a:srgbClr val="FFD840"/>
+                  <a:srgbClr val="FF9900"/>
                 </a:solidFill>
                 <a:latin typeface="+mn-lt"/>
               </a:rPr>
